--- a/video resources/מצגת סרטון.pptx
+++ b/video resources/מצגת סרטון.pptx
@@ -5,7 +5,7 @@
     <p:sldMasterId id="2147483660" r:id="rId1"/>
   </p:sldMasterIdLst>
   <p:notesMasterIdLst>
-    <p:notesMasterId r:id="rId18"/>
+    <p:notesMasterId r:id="rId19"/>
   </p:notesMasterIdLst>
   <p:sldIdLst>
     <p:sldId id="256" r:id="rId2"/>
@@ -24,6 +24,7 @@
     <p:sldId id="270" r:id="rId15"/>
     <p:sldId id="271" r:id="rId16"/>
     <p:sldId id="273" r:id="rId17"/>
+    <p:sldId id="275" r:id="rId18"/>
   </p:sldIdLst>
   <p:sldSz cx="9144000" cy="6858000" type="screen4x3"/>
   <p:notesSz cx="6858000" cy="9144000"/>
@@ -207,7 +208,8 @@
           <a:p>
             <a:fld id="{95CFFF79-C44D-4836-B8EA-76D6B46F86F7}" type="datetimeFigureOut">
               <a:rPr lang="he-IL" smtClean="0"/>
-              <a:t>ט"ו/תמוז/תשע"ה</a:t>
+              <a:pPr/>
+              <a:t>ט"ז/תמוז/תשע"ה</a:t>
             </a:fld>
             <a:endParaRPr lang="he-IL"/>
           </a:p>
@@ -368,6 +370,7 @@
           <a:p>
             <a:fld id="{58BBEE03-906A-4BD7-A7F7-953D64ED2552}" type="slidenum">
               <a:rPr lang="he-IL" smtClean="0"/>
+              <a:pPr/>
               <a:t>‹#›</a:t>
             </a:fld>
             <a:endParaRPr lang="he-IL"/>
@@ -527,7 +530,29 @@
                 <a:ea typeface="+mn-ea"/>
                 <a:cs typeface="+mn-cs"/>
               </a:rPr>
-              <a:t>עבור המחרוזת הניתנת כאן (הדגשת המחרוזת) מעתה נתייחס אליה כמחרוזת ההתייחסות, ועבור המחרוזת הקטנה שכאן (הדגשת המחרוזת), ומעתה נתייחס אליה כמחרוזת הדגימה, נרצה למצוא את כלל ההופעות של מחרוזת הדגימה בתוך מחרוזת ההתייחסות עם חסם על מספר אי ההתאמות בין המחרוזות.</a:t>
+              <a:t>עבור המחרוזת הניתנת כאן (הדגשת המחרוזת) מעתה נתייחס אליה כמחרוזת ההתייחסות, ועבור המחרוזת הקטנה שכאן (הדגשת המחרוזת), </a:t>
+            </a:r>
+            <a:r>
+              <a:rPr lang="he-IL" sz="1200" kern="1200" dirty="0" smtClean="0">
+                <a:solidFill>
+                  <a:schemeClr val="tx1"/>
+                </a:solidFill>
+                <a:latin typeface="+mn-lt"/>
+                <a:ea typeface="+mn-ea"/>
+                <a:cs typeface="+mn-cs"/>
+              </a:rPr>
+              <a:t>שמעתה </a:t>
+            </a:r>
+            <a:r>
+              <a:rPr lang="he-IL" sz="1200" kern="1200" dirty="0" smtClean="0">
+                <a:solidFill>
+                  <a:schemeClr val="tx1"/>
+                </a:solidFill>
+                <a:latin typeface="+mn-lt"/>
+                <a:ea typeface="+mn-ea"/>
+                <a:cs typeface="+mn-cs"/>
+              </a:rPr>
+              <a:t>נתייחס אליה כמחרוזת הדגימה, נרצה למצוא את כלל ההופעות של מחרוזת הדגימה בתוך מחרוזת ההתייחסות עם חסם על מספר אי ההתאמות בין המחרוזות.</a:t>
             </a:r>
             <a:endParaRPr lang="he-IL" dirty="0"/>
           </a:p>
@@ -550,6 +575,7 @@
           <a:p>
             <a:fld id="{58BBEE03-906A-4BD7-A7F7-953D64ED2552}" type="slidenum">
               <a:rPr lang="he-IL" smtClean="0"/>
+              <a:pPr/>
               <a:t>3</a:t>
             </a:fld>
             <a:endParaRPr lang="he-IL"/>
@@ -610,39 +636,6 @@
           </a:bodyPr>
           <a:lstStyle/>
           <a:p>
-            <a:r>
-              <a:rPr lang="he-IL" sz="1200" kern="1200" dirty="0" smtClean="0">
-                <a:solidFill>
-                  <a:schemeClr val="tx1"/>
-                </a:solidFill>
-                <a:latin typeface="+mn-lt"/>
-                <a:ea typeface="+mn-ea"/>
-                <a:cs typeface="+mn-cs"/>
-              </a:rPr>
-              <a:t>אלגוריתם </a:t>
-            </a:r>
-            <a:r>
-              <a:rPr lang="en-US" sz="1200" kern="1200" dirty="0" smtClean="0">
-                <a:solidFill>
-                  <a:schemeClr val="tx1"/>
-                </a:solidFill>
-                <a:latin typeface="+mn-lt"/>
-                <a:ea typeface="+mn-ea"/>
-                <a:cs typeface="+mn-cs"/>
-              </a:rPr>
-              <a:t>SW</a:t>
-            </a:r>
-            <a:r>
-              <a:rPr lang="he-IL" sz="1200" kern="1200" smtClean="0">
-                <a:solidFill>
-                  <a:schemeClr val="tx1"/>
-                </a:solidFill>
-                <a:latin typeface="+mn-lt"/>
-                <a:ea typeface="+mn-ea"/>
-                <a:cs typeface="+mn-cs"/>
-              </a:rPr>
-              <a:t> בודק את ציון ההתאמה תוך מתן נקודות להתאמה (הדגשת כל ההתאמות) לאי התאמה (הדגשת אי ההתאמות) וכן הוספה ומחיקה (הדגשת המרווחים)</a:t>
-            </a:r>
             <a:endParaRPr lang="he-IL" dirty="0"/>
           </a:p>
         </p:txBody>
@@ -664,6 +657,7 @@
           <a:p>
             <a:fld id="{58BBEE03-906A-4BD7-A7F7-953D64ED2552}" type="slidenum">
               <a:rPr lang="he-IL" smtClean="0"/>
+              <a:pPr/>
               <a:t>12</a:t>
             </a:fld>
             <a:endParaRPr lang="he-IL"/>
@@ -772,6 +766,7 @@
           <a:p>
             <a:fld id="{58BBEE03-906A-4BD7-A7F7-953D64ED2552}" type="slidenum">
               <a:rPr lang="he-IL" smtClean="0"/>
+              <a:pPr/>
               <a:t>13</a:t>
             </a:fld>
             <a:endParaRPr lang="he-IL"/>
@@ -862,6 +857,7 @@
           <a:p>
             <a:fld id="{58BBEE03-906A-4BD7-A7F7-953D64ED2552}" type="slidenum">
               <a:rPr lang="he-IL" smtClean="0"/>
+              <a:pPr/>
               <a:t>14</a:t>
             </a:fld>
             <a:endParaRPr lang="he-IL"/>
@@ -931,29 +927,7 @@
                 <a:ea typeface="+mn-ea"/>
                 <a:cs typeface="+mn-cs"/>
               </a:rPr>
-              <a:t>ומה קורה כאשר יש לנו </a:t>
-            </a:r>
-            <a:r>
-              <a:rPr lang="he-IL" sz="1200" kern="1200" dirty="0" smtClean="0">
-                <a:solidFill>
-                  <a:schemeClr val="tx1"/>
-                </a:solidFill>
-                <a:latin typeface="+mn-lt"/>
-                <a:ea typeface="+mn-ea"/>
-                <a:cs typeface="+mn-cs"/>
-              </a:rPr>
-              <a:t>מספר רב של מחרוזות דגימה כאשר לכל אחת יש </a:t>
-            </a:r>
-            <a:r>
-              <a:rPr lang="he-IL" sz="1200" kern="1200" dirty="0" smtClean="0">
-                <a:solidFill>
-                  <a:schemeClr val="tx1"/>
-                </a:solidFill>
-                <a:latin typeface="+mn-lt"/>
-                <a:ea typeface="+mn-ea"/>
-                <a:cs typeface="+mn-cs"/>
-              </a:rPr>
-              <a:t>מספר רב של התאמות</a:t>
+              <a:t>ומה קורה כאשר יש לנו מספר רב של מחרוזות דגימה כאשר לכל אחת יש מספר רב של התאמות</a:t>
             </a:r>
             <a:endParaRPr lang="he-IL" dirty="0"/>
           </a:p>
@@ -976,6 +950,7 @@
           <a:p>
             <a:fld id="{58BBEE03-906A-4BD7-A7F7-953D64ED2552}" type="slidenum">
               <a:rPr lang="he-IL" smtClean="0"/>
+              <a:pPr/>
               <a:t>15</a:t>
             </a:fld>
             <a:endParaRPr lang="he-IL"/>
@@ -1070,17 +1045,6 @@
               <a:t> חוזרת על עצמה עבור פרמטרים שונים וכלל אין קשר בין ההרצות השונות מלבד בחירת התוצאה המקסימאלית </a:t>
             </a:r>
             <a:r>
-              <a:rPr lang="he-IL" sz="1200" kern="1200" dirty="0" err="1" smtClean="0">
-                <a:solidFill>
-                  <a:schemeClr val="tx1"/>
-                </a:solidFill>
-                <a:latin typeface="+mn-lt"/>
-                <a:ea typeface="+mn-ea"/>
-                <a:cs typeface="+mn-cs"/>
-              </a:rPr>
-              <a:t>בינהן</a:t>
-            </a:r>
-            <a:r>
               <a:rPr lang="he-IL" sz="1200" kern="1200" dirty="0" smtClean="0">
                 <a:solidFill>
                   <a:schemeClr val="tx1"/>
@@ -1089,7 +1053,18 @@
                 <a:ea typeface="+mn-ea"/>
                 <a:cs typeface="+mn-cs"/>
               </a:rPr>
-              <a:t> ולכן נרצה לבצע מקבול של התהליך על מנת להאיץ את זמן הריצה והמשאבים אותם הוא צורך</a:t>
+              <a:t>ביניהן </a:t>
+            </a:r>
+            <a:r>
+              <a:rPr lang="he-IL" sz="1200" kern="1200" dirty="0" smtClean="0">
+                <a:solidFill>
+                  <a:schemeClr val="tx1"/>
+                </a:solidFill>
+                <a:latin typeface="+mn-lt"/>
+                <a:ea typeface="+mn-ea"/>
+                <a:cs typeface="+mn-cs"/>
+              </a:rPr>
+              <a:t>ולכן נרצה לבצע מקבול של התהליך על מנת להאיץ את זמן הריצה והמשאבים אותם הוא צורך</a:t>
             </a:r>
             <a:endParaRPr lang="he-IL" dirty="0"/>
           </a:p>
@@ -1112,6 +1087,7 @@
           <a:p>
             <a:fld id="{58BBEE03-906A-4BD7-A7F7-953D64ED2552}" type="slidenum">
               <a:rPr lang="he-IL" smtClean="0"/>
+              <a:pPr/>
               <a:t>16</a:t>
             </a:fld>
             <a:endParaRPr lang="he-IL"/>
@@ -1172,17 +1148,6 @@
           </a:bodyPr>
           <a:lstStyle/>
           <a:p>
-            <a:r>
-              <a:rPr lang="he-IL" sz="1200" kern="1200" dirty="0" smtClean="0">
-                <a:solidFill>
-                  <a:schemeClr val="tx1"/>
-                </a:solidFill>
-                <a:latin typeface="+mn-lt"/>
-                <a:ea typeface="+mn-ea"/>
-                <a:cs typeface="+mn-cs"/>
-              </a:rPr>
-              <a:t>עבור המחרוזת הניתנת כאן (הדגשת המחרוזת) מעתה נתייחס אליה כמחרוזת ההתייחסות, ועבור המחרוזת הקטנה שכאן (הדגשת המחרוזת), ומעתה נתייחס אליה כמחרוזת הדגימה, נרצה למצוא את כלל ההופעות של מחרוזת הדגימה בתוך מחרוזת ההתייחסות עם חסם על מספר אי ההתאמות בין המחרוזות.</a:t>
-            </a:r>
             <a:endParaRPr lang="he-IL" dirty="0"/>
           </a:p>
         </p:txBody>
@@ -1204,6 +1169,7 @@
           <a:p>
             <a:fld id="{58BBEE03-906A-4BD7-A7F7-953D64ED2552}" type="slidenum">
               <a:rPr lang="he-IL" smtClean="0"/>
+              <a:pPr/>
               <a:t>4</a:t>
             </a:fld>
             <a:endParaRPr lang="he-IL"/>
@@ -1264,17 +1230,6 @@
           </a:bodyPr>
           <a:lstStyle/>
           <a:p>
-            <a:r>
-              <a:rPr lang="he-IL" sz="1200" kern="1200" dirty="0" smtClean="0">
-                <a:solidFill>
-                  <a:schemeClr val="tx1"/>
-                </a:solidFill>
-                <a:latin typeface="+mn-lt"/>
-                <a:ea typeface="+mn-ea"/>
-                <a:cs typeface="+mn-cs"/>
-              </a:rPr>
-              <a:t>עבור המחרוזת הניתנת כאן (הדגשת המחרוזת) מעתה נתייחס אליה כמחרוזת ההתייחסות, ועבור המחרוזת הקטנה שכאן (הדגשת המחרוזת), ומעתה נתייחס אליה כמחרוזת הדגימה, נרצה למצוא את כלל ההופעות של מחרוזת הדגימה בתוך מחרוזת ההתייחסות עם חסם על מספר אי ההתאמות בין המחרוזות.</a:t>
-            </a:r>
             <a:endParaRPr lang="he-IL" dirty="0"/>
           </a:p>
         </p:txBody>
@@ -1296,6 +1251,7 @@
           <a:p>
             <a:fld id="{58BBEE03-906A-4BD7-A7F7-953D64ED2552}" type="slidenum">
               <a:rPr lang="he-IL" smtClean="0"/>
+              <a:pPr/>
               <a:t>5</a:t>
             </a:fld>
             <a:endParaRPr lang="he-IL"/>
@@ -1365,7 +1321,29 @@
                 <a:ea typeface="+mn-ea"/>
                 <a:cs typeface="+mn-cs"/>
               </a:rPr>
-              <a:t>קיים קוד המוצא לנו את כלל ההופעות של מחרוזת הדגימה במחרוזת ההתייחסות ושמו </a:t>
+              <a:t>קיים </a:t>
+            </a:r>
+            <a:r>
+              <a:rPr lang="he-IL" sz="1200" kern="1200" dirty="0" smtClean="0">
+                <a:solidFill>
+                  <a:schemeClr val="tx1"/>
+                </a:solidFill>
+                <a:latin typeface="+mn-lt"/>
+                <a:ea typeface="+mn-ea"/>
+                <a:cs typeface="+mn-cs"/>
+              </a:rPr>
+              <a:t>אלגוריתם המוצא </a:t>
+            </a:r>
+            <a:r>
+              <a:rPr lang="he-IL" sz="1200" kern="1200" dirty="0" smtClean="0">
+                <a:solidFill>
+                  <a:schemeClr val="tx1"/>
+                </a:solidFill>
+                <a:latin typeface="+mn-lt"/>
+                <a:ea typeface="+mn-ea"/>
+                <a:cs typeface="+mn-cs"/>
+              </a:rPr>
+              <a:t>לנו את כלל ההופעות של מחרוזת הדגימה במחרוזת ההתייחסות ושמו </a:t>
             </a:r>
             <a:r>
               <a:rPr lang="en-US" sz="1200" kern="1200" dirty="0" smtClean="0">
@@ -1389,6 +1367,17 @@
               </a:rPr>
               <a:t>. </a:t>
             </a:r>
+            <a:r>
+              <a:rPr lang="he-IL" sz="1200" kern="1200" dirty="0" smtClean="0">
+                <a:solidFill>
+                  <a:schemeClr val="tx1"/>
+                </a:solidFill>
+                <a:latin typeface="+mn-lt"/>
+                <a:ea typeface="+mn-ea"/>
+                <a:cs typeface="+mn-cs"/>
+              </a:rPr>
+              <a:t>בין היתר מימשנו גם אותו.</a:t>
+            </a:r>
             <a:endParaRPr lang="he-IL" dirty="0"/>
           </a:p>
         </p:txBody>
@@ -1410,6 +1399,7 @@
           <a:p>
             <a:fld id="{58BBEE03-906A-4BD7-A7F7-953D64ED2552}" type="slidenum">
               <a:rPr lang="he-IL" smtClean="0"/>
+              <a:pPr/>
               <a:t>6</a:t>
             </a:fld>
             <a:endParaRPr lang="he-IL"/>
@@ -1479,7 +1469,18 @@
                 <a:ea typeface="+mn-ea"/>
                 <a:cs typeface="+mn-cs"/>
               </a:rPr>
-              <a:t>ועתה הגענו לבעיה: מבין כל ההתאמות שנמצאו מי היא ההתאמה הכי טובה?"</a:t>
+              <a:t>ועתה הגענו לבעיה: מבין כל ההתאמות שנמצאו מי היא ההתאמה הכי </a:t>
+            </a:r>
+            <a:r>
+              <a:rPr lang="he-IL" sz="1200" kern="1200" dirty="0" smtClean="0">
+                <a:solidFill>
+                  <a:schemeClr val="tx1"/>
+                </a:solidFill>
+                <a:latin typeface="+mn-lt"/>
+                <a:ea typeface="+mn-ea"/>
+                <a:cs typeface="+mn-cs"/>
+              </a:rPr>
+              <a:t>טובה?"</a:t>
             </a:r>
             <a:endParaRPr lang="he-IL" dirty="0"/>
           </a:p>
@@ -1502,6 +1503,7 @@
           <a:p>
             <a:fld id="{58BBEE03-906A-4BD7-A7F7-953D64ED2552}" type="slidenum">
               <a:rPr lang="he-IL" smtClean="0"/>
+              <a:pPr/>
               <a:t>7</a:t>
             </a:fld>
             <a:endParaRPr lang="he-IL"/>
@@ -1593,7 +1595,29 @@
                 <a:ea typeface="+mn-ea"/>
                 <a:cs typeface="+mn-cs"/>
               </a:rPr>
-              <a:t> בודק את ציון ההתאמה תוך מתן נקודות להתאמה (הדגשת כל ההתאמות) לאי התאמה (הדגשת אי ההתאמות) וכן הוספה ומחיקה (הדגשת המרווחים)</a:t>
+              <a:t> </a:t>
+            </a:r>
+            <a:r>
+              <a:rPr lang="he-IL" sz="1200" kern="1200" dirty="0" smtClean="0">
+                <a:solidFill>
+                  <a:schemeClr val="tx1"/>
+                </a:solidFill>
+                <a:latin typeface="+mn-lt"/>
+                <a:ea typeface="+mn-ea"/>
+                <a:cs typeface="+mn-cs"/>
+              </a:rPr>
+              <a:t>מספק ציון להתאמה </a:t>
+            </a:r>
+            <a:r>
+              <a:rPr lang="he-IL" sz="1200" kern="1200" dirty="0" smtClean="0">
+                <a:solidFill>
+                  <a:schemeClr val="tx1"/>
+                </a:solidFill>
+                <a:latin typeface="+mn-lt"/>
+                <a:ea typeface="+mn-ea"/>
+                <a:cs typeface="+mn-cs"/>
+              </a:rPr>
+              <a:t>תוך מתן נקודות להתאמה (הדגשת כל ההתאמות) לאי התאמה (הדגשת אי ההתאמות) וכן הוספה ומחיקה (הדגשת המרווחים)</a:t>
             </a:r>
             <a:endParaRPr lang="he-IL" dirty="0"/>
           </a:p>
@@ -1616,6 +1640,7 @@
           <a:p>
             <a:fld id="{58BBEE03-906A-4BD7-A7F7-953D64ED2552}" type="slidenum">
               <a:rPr lang="he-IL" smtClean="0"/>
+              <a:pPr/>
               <a:t>8</a:t>
             </a:fld>
             <a:endParaRPr lang="he-IL"/>
@@ -1676,39 +1701,6 @@
           </a:bodyPr>
           <a:lstStyle/>
           <a:p>
-            <a:r>
-              <a:rPr lang="he-IL" sz="1200" kern="1200" dirty="0" smtClean="0">
-                <a:solidFill>
-                  <a:schemeClr val="tx1"/>
-                </a:solidFill>
-                <a:latin typeface="+mn-lt"/>
-                <a:ea typeface="+mn-ea"/>
-                <a:cs typeface="+mn-cs"/>
-              </a:rPr>
-              <a:t>אלגוריתם </a:t>
-            </a:r>
-            <a:r>
-              <a:rPr lang="en-US" sz="1200" kern="1200" dirty="0" smtClean="0">
-                <a:solidFill>
-                  <a:schemeClr val="tx1"/>
-                </a:solidFill>
-                <a:latin typeface="+mn-lt"/>
-                <a:ea typeface="+mn-ea"/>
-                <a:cs typeface="+mn-cs"/>
-              </a:rPr>
-              <a:t>SW</a:t>
-            </a:r>
-            <a:r>
-              <a:rPr lang="he-IL" sz="1200" kern="1200" smtClean="0">
-                <a:solidFill>
-                  <a:schemeClr val="tx1"/>
-                </a:solidFill>
-                <a:latin typeface="+mn-lt"/>
-                <a:ea typeface="+mn-ea"/>
-                <a:cs typeface="+mn-cs"/>
-              </a:rPr>
-              <a:t> בודק את ציון ההתאמה תוך מתן נקודות להתאמה (הדגשת כל ההתאמות) לאי התאמה (הדגשת אי ההתאמות) וכן הוספה ומחיקה (הדגשת המרווחים)</a:t>
-            </a:r>
             <a:endParaRPr lang="he-IL" dirty="0"/>
           </a:p>
         </p:txBody>
@@ -1730,6 +1722,7 @@
           <a:p>
             <a:fld id="{58BBEE03-906A-4BD7-A7F7-953D64ED2552}" type="slidenum">
               <a:rPr lang="he-IL" smtClean="0"/>
+              <a:pPr/>
               <a:t>9</a:t>
             </a:fld>
             <a:endParaRPr lang="he-IL"/>
@@ -1790,39 +1783,6 @@
           </a:bodyPr>
           <a:lstStyle/>
           <a:p>
-            <a:r>
-              <a:rPr lang="he-IL" sz="1200" kern="1200" dirty="0" smtClean="0">
-                <a:solidFill>
-                  <a:schemeClr val="tx1"/>
-                </a:solidFill>
-                <a:latin typeface="+mn-lt"/>
-                <a:ea typeface="+mn-ea"/>
-                <a:cs typeface="+mn-cs"/>
-              </a:rPr>
-              <a:t>אלגוריתם </a:t>
-            </a:r>
-            <a:r>
-              <a:rPr lang="en-US" sz="1200" kern="1200" dirty="0" smtClean="0">
-                <a:solidFill>
-                  <a:schemeClr val="tx1"/>
-                </a:solidFill>
-                <a:latin typeface="+mn-lt"/>
-                <a:ea typeface="+mn-ea"/>
-                <a:cs typeface="+mn-cs"/>
-              </a:rPr>
-              <a:t>SW</a:t>
-            </a:r>
-            <a:r>
-              <a:rPr lang="he-IL" sz="1200" kern="1200" smtClean="0">
-                <a:solidFill>
-                  <a:schemeClr val="tx1"/>
-                </a:solidFill>
-                <a:latin typeface="+mn-lt"/>
-                <a:ea typeface="+mn-ea"/>
-                <a:cs typeface="+mn-cs"/>
-              </a:rPr>
-              <a:t> בודק את ציון ההתאמה תוך מתן נקודות להתאמה (הדגשת כל ההתאמות) לאי התאמה (הדגשת אי ההתאמות) וכן הוספה ומחיקה (הדגשת המרווחים)</a:t>
-            </a:r>
             <a:endParaRPr lang="he-IL" dirty="0"/>
           </a:p>
         </p:txBody>
@@ -1844,6 +1804,7 @@
           <a:p>
             <a:fld id="{58BBEE03-906A-4BD7-A7F7-953D64ED2552}" type="slidenum">
               <a:rPr lang="he-IL" smtClean="0"/>
+              <a:pPr/>
               <a:t>10</a:t>
             </a:fld>
             <a:endParaRPr lang="he-IL"/>
@@ -1904,39 +1865,6 @@
           </a:bodyPr>
           <a:lstStyle/>
           <a:p>
-            <a:r>
-              <a:rPr lang="he-IL" sz="1200" kern="1200" dirty="0" smtClean="0">
-                <a:solidFill>
-                  <a:schemeClr val="tx1"/>
-                </a:solidFill>
-                <a:latin typeface="+mn-lt"/>
-                <a:ea typeface="+mn-ea"/>
-                <a:cs typeface="+mn-cs"/>
-              </a:rPr>
-              <a:t>אלגוריתם </a:t>
-            </a:r>
-            <a:r>
-              <a:rPr lang="en-US" sz="1200" kern="1200" dirty="0" smtClean="0">
-                <a:solidFill>
-                  <a:schemeClr val="tx1"/>
-                </a:solidFill>
-                <a:latin typeface="+mn-lt"/>
-                <a:ea typeface="+mn-ea"/>
-                <a:cs typeface="+mn-cs"/>
-              </a:rPr>
-              <a:t>SW</a:t>
-            </a:r>
-            <a:r>
-              <a:rPr lang="he-IL" sz="1200" kern="1200" smtClean="0">
-                <a:solidFill>
-                  <a:schemeClr val="tx1"/>
-                </a:solidFill>
-                <a:latin typeface="+mn-lt"/>
-                <a:ea typeface="+mn-ea"/>
-                <a:cs typeface="+mn-cs"/>
-              </a:rPr>
-              <a:t> בודק את ציון ההתאמה תוך מתן נקודות להתאמה (הדגשת כל ההתאמות) לאי התאמה (הדגשת אי ההתאמות) וכן הוספה ומחיקה (הדגשת המרווחים)</a:t>
-            </a:r>
             <a:endParaRPr lang="he-IL" dirty="0"/>
           </a:p>
         </p:txBody>
@@ -1958,6 +1886,7 @@
           <a:p>
             <a:fld id="{58BBEE03-906A-4BD7-A7F7-953D64ED2552}" type="slidenum">
               <a:rPr lang="he-IL" smtClean="0"/>
+              <a:pPr/>
               <a:t>11</a:t>
             </a:fld>
             <a:endParaRPr lang="he-IL"/>
@@ -2110,7 +2039,7 @@
             <a:fld id="{4E7438E1-117D-44FB-AC24-B79D899BA877}" type="datetimeFigureOut">
               <a:rPr lang="he-IL" smtClean="0"/>
               <a:pPr/>
-              <a:t>ט"ו/תמוז/תשע"ה</a:t>
+              <a:t>ט"ז/תמוז/תשע"ה</a:t>
             </a:fld>
             <a:endParaRPr lang="he-IL"/>
           </a:p>
@@ -2981,7 +2910,7 @@
             <a:fld id="{4E7438E1-117D-44FB-AC24-B79D899BA877}" type="datetimeFigureOut">
               <a:rPr lang="he-IL" smtClean="0"/>
               <a:pPr/>
-              <a:t>ט"ו/תמוז/תשע"ה</a:t>
+              <a:t>ט"ז/תמוז/תשע"ה</a:t>
             </a:fld>
             <a:endParaRPr lang="he-IL"/>
           </a:p>
@@ -3158,7 +3087,7 @@
             <a:fld id="{4E7438E1-117D-44FB-AC24-B79D899BA877}" type="datetimeFigureOut">
               <a:rPr lang="he-IL" smtClean="0"/>
               <a:pPr/>
-              <a:t>ט"ו/תמוז/תשע"ה</a:t>
+              <a:t>ט"ז/תמוז/תשע"ה</a:t>
             </a:fld>
             <a:endParaRPr lang="he-IL"/>
           </a:p>
@@ -3330,7 +3259,7 @@
             <a:fld id="{4E7438E1-117D-44FB-AC24-B79D899BA877}" type="datetimeFigureOut">
               <a:rPr lang="he-IL" smtClean="0"/>
               <a:pPr/>
-              <a:t>ט"ו/תמוז/תשע"ה</a:t>
+              <a:t>ט"ז/תמוז/תשע"ה</a:t>
             </a:fld>
             <a:endParaRPr lang="he-IL"/>
           </a:p>
@@ -3542,7 +3471,7 @@
             <a:fld id="{4E7438E1-117D-44FB-AC24-B79D899BA877}" type="datetimeFigureOut">
               <a:rPr lang="he-IL" smtClean="0"/>
               <a:pPr/>
-              <a:t>ט"ו/תמוז/תשע"ה</a:t>
+              <a:t>ט"ז/תמוז/תשע"ה</a:t>
             </a:fld>
             <a:endParaRPr lang="he-IL"/>
           </a:p>
@@ -4358,7 +4287,7 @@
             <a:fld id="{4E7438E1-117D-44FB-AC24-B79D899BA877}" type="datetimeFigureOut">
               <a:rPr lang="he-IL" smtClean="0"/>
               <a:pPr/>
-              <a:t>ט"ו/תמוז/תשע"ה</a:t>
+              <a:t>ט"ז/תמוז/תשע"ה</a:t>
             </a:fld>
             <a:endParaRPr lang="he-IL"/>
           </a:p>
@@ -4596,7 +4525,7 @@
             <a:fld id="{4E7438E1-117D-44FB-AC24-B79D899BA877}" type="datetimeFigureOut">
               <a:rPr lang="he-IL" smtClean="0"/>
               <a:pPr/>
-              <a:t>ט"ו/תמוז/תשע"ה</a:t>
+              <a:t>ט"ז/תמוז/תשע"ה</a:t>
             </a:fld>
             <a:endParaRPr lang="he-IL"/>
           </a:p>
@@ -4921,7 +4850,7 @@
             <a:fld id="{4E7438E1-117D-44FB-AC24-B79D899BA877}" type="datetimeFigureOut">
               <a:rPr lang="he-IL" smtClean="0"/>
               <a:pPr/>
-              <a:t>ט"ו/תמוז/תשע"ה</a:t>
+              <a:t>ט"ז/תמוז/תשע"ה</a:t>
             </a:fld>
             <a:endParaRPr lang="he-IL"/>
           </a:p>
@@ -5013,7 +4942,7 @@
             <a:fld id="{4E7438E1-117D-44FB-AC24-B79D899BA877}" type="datetimeFigureOut">
               <a:rPr lang="he-IL" smtClean="0"/>
               <a:pPr/>
-              <a:t>ט"ו/תמוז/תשע"ה</a:t>
+              <a:t>ט"ז/תמוז/תשע"ה</a:t>
             </a:fld>
             <a:endParaRPr lang="he-IL"/>
           </a:p>
@@ -5532,7 +5461,7 @@
             <a:fld id="{4E7438E1-117D-44FB-AC24-B79D899BA877}" type="datetimeFigureOut">
               <a:rPr lang="he-IL" smtClean="0"/>
               <a:pPr/>
-              <a:t>ט"ו/תמוז/תשע"ה</a:t>
+              <a:t>ט"ז/תמוז/תשע"ה</a:t>
             </a:fld>
             <a:endParaRPr lang="he-IL"/>
           </a:p>
@@ -6045,7 +5974,7 @@
             <a:fld id="{4E7438E1-117D-44FB-AC24-B79D899BA877}" type="datetimeFigureOut">
               <a:rPr lang="he-IL" smtClean="0"/>
               <a:pPr/>
-              <a:t>ט"ו/תמוז/תשע"ה</a:t>
+              <a:t>ט"ז/תמוז/תשע"ה</a:t>
             </a:fld>
             <a:endParaRPr lang="he-IL"/>
           </a:p>
@@ -6292,7 +6221,7 @@
             <a:fld id="{4E7438E1-117D-44FB-AC24-B79D899BA877}" type="datetimeFigureOut">
               <a:rPr lang="he-IL" smtClean="0"/>
               <a:pPr/>
-              <a:t>ט"ו/תמוז/תשע"ה</a:t>
+              <a:t>ט"ז/תמוז/תשע"ה</a:t>
             </a:fld>
             <a:endParaRPr lang="he-IL"/>
           </a:p>
@@ -7755,6 +7684,216 @@
   <p:clrMapOvr>
     <a:masterClrMapping/>
   </p:clrMapOvr>
+  <p:timing>
+    <p:tnLst>
+      <p:par>
+        <p:cTn id="1" dur="indefinite" restart="never" nodeType="tmRoot"/>
+      </p:par>
+    </p:tnLst>
+  </p:timing>
+</p:sld>
+</file>
+
+<file path=ppt/slides/slide17.xml><?xml version="1.0" encoding="utf-8"?>
+<p:sld xmlns:a="http://schemas.openxmlformats.org/drawingml/2006/main" xmlns:r="http://schemas.openxmlformats.org/officeDocument/2006/relationships" xmlns:p="http://schemas.openxmlformats.org/presentationml/2006/main">
+  <p:cSld>
+    <p:spTree>
+      <p:nvGrpSpPr>
+        <p:cNvPr id="1" name=""/>
+        <p:cNvGrpSpPr/>
+        <p:nvPr/>
+      </p:nvGrpSpPr>
+      <p:grpSpPr>
+        <a:xfrm>
+          <a:off x="0" y="0"/>
+          <a:ext cx="0" cy="0"/>
+          <a:chOff x="0" y="0"/>
+          <a:chExt cx="0" cy="0"/>
+        </a:xfrm>
+      </p:grpSpPr>
+      <p:sp>
+        <p:nvSpPr>
+          <p:cNvPr id="2" name="כותרת 1"/>
+          <p:cNvSpPr>
+            <a:spLocks noGrp="1"/>
+          </p:cNvSpPr>
+          <p:nvPr>
+            <p:ph type="title"/>
+          </p:nvPr>
+        </p:nvSpPr>
+        <p:spPr/>
+        <p:txBody>
+          <a:bodyPr/>
+          <a:lstStyle/>
+          <a:p>
+            <a:pPr algn="r"/>
+            <a:r>
+              <a:rPr lang="he-IL" sz="6000" dirty="0" smtClean="0"/>
+              <a:t>הרצה</a:t>
+            </a:r>
+            <a:endParaRPr lang="he-IL" sz="6000" dirty="0"/>
+          </a:p>
+        </p:txBody>
+      </p:sp>
+      <p:sp>
+        <p:nvSpPr>
+          <p:cNvPr id="3" name="מציין מיקום תוכן 2"/>
+          <p:cNvSpPr>
+            <a:spLocks noGrp="1"/>
+          </p:cNvSpPr>
+          <p:nvPr>
+            <p:ph sz="quarter" idx="2"/>
+          </p:nvPr>
+        </p:nvSpPr>
+        <p:spPr/>
+        <p:txBody>
+          <a:bodyPr/>
+          <a:lstStyle/>
+          <a:p>
+            <a:pPr>
+              <a:buNone/>
+            </a:pPr>
+            <a:r>
+              <a:rPr lang="he-IL" sz="8000" dirty="0" smtClean="0"/>
+              <a:t>להוסיף סרטון</a:t>
+            </a:r>
+          </a:p>
+          <a:p>
+            <a:pPr>
+              <a:buNone/>
+            </a:pPr>
+            <a:endParaRPr lang="he-IL" dirty="0"/>
+          </a:p>
+        </p:txBody>
+      </p:sp>
+      <p:sp>
+        <p:nvSpPr>
+          <p:cNvPr id="4" name="מציין מיקום תוכן 3"/>
+          <p:cNvSpPr>
+            <a:spLocks noGrp="1"/>
+          </p:cNvSpPr>
+          <p:nvPr>
+            <p:ph sz="quarter" idx="4"/>
+          </p:nvPr>
+        </p:nvSpPr>
+        <p:spPr/>
+        <p:txBody>
+          <a:bodyPr>
+            <a:normAutofit/>
+          </a:bodyPr>
+          <a:lstStyle/>
+          <a:p>
+            <a:pPr>
+              <a:buNone/>
+            </a:pPr>
+            <a:r>
+              <a:rPr lang="he-IL" sz="8000" dirty="0" smtClean="0"/>
+              <a:t>להוסיף סרטון</a:t>
+            </a:r>
+          </a:p>
+          <a:p>
+            <a:pPr>
+              <a:buNone/>
+            </a:pPr>
+            <a:endParaRPr lang="he-IL" sz="8000" dirty="0"/>
+          </a:p>
+        </p:txBody>
+      </p:sp>
+      <p:sp>
+        <p:nvSpPr>
+          <p:cNvPr id="5" name="מציין מיקום טקסט 4"/>
+          <p:cNvSpPr>
+            <a:spLocks noGrp="1"/>
+          </p:cNvSpPr>
+          <p:nvPr>
+            <p:ph type="body" sz="quarter" idx="1"/>
+          </p:nvPr>
+        </p:nvSpPr>
+        <p:spPr/>
+        <p:style>
+          <a:lnRef idx="2">
+            <a:schemeClr val="accent1"/>
+          </a:lnRef>
+          <a:fillRef idx="1">
+            <a:schemeClr val="lt1"/>
+          </a:fillRef>
+          <a:effectRef idx="0">
+            <a:schemeClr val="accent1"/>
+          </a:effectRef>
+          <a:fontRef idx="minor">
+            <a:schemeClr val="dk1"/>
+          </a:fontRef>
+        </p:style>
+        <p:txBody>
+          <a:bodyPr/>
+          <a:lstStyle/>
+          <a:p>
+            <a:r>
+              <a:rPr lang="he-IL" sz="2400" b="0" dirty="0" smtClean="0">
+                <a:solidFill>
+                  <a:schemeClr val="tx1"/>
+                </a:solidFill>
+              </a:rPr>
+              <a:t>הרצה במקביל</a:t>
+            </a:r>
+            <a:endParaRPr lang="he-IL" sz="2400" b="0" dirty="0">
+              <a:solidFill>
+                <a:schemeClr val="tx1"/>
+              </a:solidFill>
+            </a:endParaRPr>
+          </a:p>
+        </p:txBody>
+      </p:sp>
+      <p:sp>
+        <p:nvSpPr>
+          <p:cNvPr id="6" name="מציין מיקום טקסט 5"/>
+          <p:cNvSpPr>
+            <a:spLocks noGrp="1"/>
+          </p:cNvSpPr>
+          <p:nvPr>
+            <p:ph type="body" sz="quarter" idx="3"/>
+          </p:nvPr>
+        </p:nvSpPr>
+        <p:spPr/>
+        <p:style>
+          <a:lnRef idx="2">
+            <a:schemeClr val="accent1"/>
+          </a:lnRef>
+          <a:fillRef idx="1">
+            <a:schemeClr val="lt1"/>
+          </a:fillRef>
+          <a:effectRef idx="0">
+            <a:schemeClr val="accent1"/>
+          </a:effectRef>
+          <a:fontRef idx="minor">
+            <a:schemeClr val="dk1"/>
+          </a:fontRef>
+        </p:style>
+        <p:txBody>
+          <a:bodyPr/>
+          <a:lstStyle/>
+          <a:p>
+            <a:r>
+              <a:rPr lang="he-IL" sz="2400" b="0" dirty="0" smtClean="0">
+                <a:solidFill>
+                  <a:schemeClr val="tx1"/>
+                </a:solidFill>
+              </a:rPr>
+              <a:t>הרצה סדרתית</a:t>
+            </a:r>
+            <a:endParaRPr lang="he-IL" sz="2400" b="0" dirty="0">
+              <a:solidFill>
+                <a:schemeClr val="tx1"/>
+              </a:solidFill>
+            </a:endParaRPr>
+          </a:p>
+        </p:txBody>
+      </p:sp>
+    </p:spTree>
+  </p:cSld>
+  <p:clrMapOvr>
+    <a:masterClrMapping/>
+  </p:clrMapOvr>
 </p:sld>
 </file>
 
@@ -7918,12 +8057,13 @@
             </a:r>
             <a:r>
               <a:rPr lang="en-US" dirty="0" smtClean="0"/>
-              <a:t>sample</a:t>
+              <a:t>sample, read</a:t>
             </a:r>
             <a:r>
               <a:rPr lang="he-IL" dirty="0" smtClean="0"/>
               <a:t>)</a:t>
             </a:r>
+            <a:endParaRPr lang="he-IL" dirty="0" smtClean="0"/>
           </a:p>
           <a:p>
             <a:endParaRPr lang="he-IL" dirty="0"/>
@@ -8086,12 +8226,17 @@
             </a:r>
             <a:r>
               <a:rPr lang="en-US" dirty="0" smtClean="0"/>
-              <a:t>sample</a:t>
+              <a:t>sample, </a:t>
+            </a:r>
+            <a:r>
+              <a:rPr lang="en-US" dirty="0" smtClean="0"/>
+              <a:t>read</a:t>
             </a:r>
             <a:r>
               <a:rPr lang="he-IL" dirty="0" smtClean="0"/>
               <a:t>)</a:t>
             </a:r>
+            <a:endParaRPr lang="he-IL" dirty="0" smtClean="0"/>
           </a:p>
           <a:p>
             <a:endParaRPr lang="he-IL" dirty="0"/>
@@ -8261,12 +8406,17 @@
             </a:r>
             <a:r>
               <a:rPr lang="en-US" dirty="0" smtClean="0"/>
-              <a:t>sample</a:t>
+              <a:t>sample, </a:t>
+            </a:r>
+            <a:r>
+              <a:rPr lang="en-US" dirty="0" smtClean="0"/>
+              <a:t>read</a:t>
             </a:r>
             <a:r>
               <a:rPr lang="he-IL" dirty="0" smtClean="0"/>
               <a:t>)</a:t>
             </a:r>
+            <a:endParaRPr lang="he-IL" dirty="0" smtClean="0"/>
           </a:p>
           <a:p>
             <a:endParaRPr lang="he-IL" dirty="0"/>
